--- a/Cycle_03_Analyser_Modeliser_Cin/Compresseur/Presentation_Compresseur_Eleve.pptx
+++ b/Cycle_03_Analyser_Modeliser_Cin/Compresseur/Presentation_Compresseur_Eleve.pptx
@@ -211,7 +211,7 @@
             <a:fld id="{E494A05E-DEA9-4CEA-A63B-3593EEF3AC45}" type="datetimeFigureOut">
               <a:rPr lang="fr-FR" smtClean="0"/>
               <a:pPr/>
-              <a:t>15/10/2014</a:t>
+              <a:t>16/10/2014</a:t>
             </a:fld>
             <a:endParaRPr lang="fr-FR"/>
           </a:p>
@@ -380,6 +380,11 @@
         </p:txBody>
       </p:sp>
     </p:spTree>
+    <p:extLst>
+      <p:ext uri="{BB962C8B-B14F-4D97-AF65-F5344CB8AC3E}">
+        <p14:creationId xmlns:p14="http://schemas.microsoft.com/office/powerpoint/2010/main" val="1501212536"/>
+      </p:ext>
+    </p:extLst>
   </p:cSld>
   <p:clrMap bg1="lt1" tx1="dk1" bg2="lt2" tx2="dk2" accent1="accent1" accent2="accent2" accent3="accent3" accent4="accent4" accent5="accent5" accent6="accent6" hlink="hlink" folHlink="folHlink"/>
   <p:notesStyle>
@@ -692,7 +697,7 @@
         </p:nvSpPr>
         <p:spPr>
           <a:xfrm>
-            <a:off x="6400800" y="6355080"/>
+            <a:off x="6858000" y="6481152"/>
             <a:ext cx="2286000" cy="365760"/>
           </a:xfrm>
         </p:spPr>
@@ -704,10 +709,9 @@
             </a:lvl1pPr>
           </a:lstStyle>
           <a:p>
-            <a:fld id="{3A961F90-11F6-4966-B0E5-2BB20F714B78}" type="datetime1">
+            <a:fld id="{7D27C54C-DFCA-4C1C-98F3-8DE687383167}" type="datetime1">
               <a:rPr lang="fr-FR" smtClean="0"/>
-              <a:pPr/>
-              <a:t>15/10/2014</a:t>
+              <a:t>16/10/2014</a:t>
             </a:fld>
             <a:endParaRPr lang="fr-FR"/>
           </a:p>
@@ -725,15 +729,23 @@
         </p:nvSpPr>
         <p:spPr>
           <a:xfrm>
-            <a:off x="2898648" y="6355080"/>
-            <a:ext cx="3474720" cy="365760"/>
+            <a:off x="0" y="6492240"/>
+            <a:ext cx="9144000" cy="365760"/>
           </a:xfrm>
         </p:spPr>
         <p:txBody>
           <a:bodyPr/>
-          <a:lstStyle/>
-          <a:p>
-            <a:endParaRPr lang="fr-FR"/>
+          <a:lstStyle>
+            <a:lvl1pPr algn="ctr">
+              <a:defRPr/>
+            </a:lvl1pPr>
+          </a:lstStyle>
+          <a:p>
+            <a:r>
+              <a:rPr lang="fr-FR" smtClean="0"/>
+              <a:t>Modèles de Xavier PESSOLES &amp; Jean-Pierre PUPIER</a:t>
+            </a:r>
+            <a:endParaRPr lang="fr-FR" dirty="0"/>
           </a:p>
         </p:txBody>
       </p:sp>
@@ -749,7 +761,7 @@
         </p:nvSpPr>
         <p:spPr>
           <a:xfrm>
-            <a:off x="1216152" y="6355080"/>
+            <a:off x="0" y="6492240"/>
             <a:ext cx="1219200" cy="365760"/>
           </a:xfrm>
         </p:spPr>
@@ -1065,10 +1077,9 @@
           <a:bodyPr/>
           <a:lstStyle/>
           <a:p>
-            <a:fld id="{59700BD1-A4B5-444B-B773-B4FDD97DF200}" type="datetime1">
+            <a:fld id="{9591899D-9F3C-4ABE-BA84-F25EF89BB081}" type="datetime1">
               <a:rPr lang="fr-FR" smtClean="0"/>
-              <a:pPr/>
-              <a:t>15/10/2014</a:t>
+              <a:t>16/10/2014</a:t>
             </a:fld>
             <a:endParaRPr lang="fr-FR"/>
           </a:p>
@@ -1089,6 +1100,10 @@
           <a:bodyPr/>
           <a:lstStyle/>
           <a:p>
+            <a:r>
+              <a:rPr lang="fr-FR" smtClean="0"/>
+              <a:t>Modèles de Xavier PESSOLES &amp; Jean-Pierre PUPIER</a:t>
+            </a:r>
             <a:endParaRPr lang="fr-FR"/>
           </a:p>
         </p:txBody>
@@ -1242,10 +1257,9 @@
           <a:bodyPr/>
           <a:lstStyle/>
           <a:p>
-            <a:fld id="{A354AF49-C35E-40F6-8345-CA866716EE79}" type="datetime1">
+            <a:fld id="{0306473F-1901-47E5-A99C-ECDA84858B6A}" type="datetime1">
               <a:rPr lang="fr-FR" smtClean="0"/>
-              <a:pPr/>
-              <a:t>15/10/2014</a:t>
+              <a:t>16/10/2014</a:t>
             </a:fld>
             <a:endParaRPr lang="fr-FR"/>
           </a:p>
@@ -1266,6 +1280,10 @@
           <a:bodyPr/>
           <a:lstStyle/>
           <a:p>
+            <a:r>
+              <a:rPr lang="fr-FR" smtClean="0"/>
+              <a:t>Modèles de Xavier PESSOLES &amp; Jean-Pierre PUPIER</a:t>
+            </a:r>
             <a:endParaRPr lang="fr-FR"/>
           </a:p>
         </p:txBody>
@@ -1479,10 +1497,9 @@
           <a:bodyPr/>
           <a:lstStyle/>
           <a:p>
-            <a:fld id="{EAFEF7E1-4A71-4560-AA4D-33BBAAF32357}" type="datetime1">
+            <a:fld id="{0DFA7828-3A38-4371-AE33-4D14212324E2}" type="datetime1">
               <a:rPr lang="fr-FR" smtClean="0"/>
-              <a:pPr/>
-              <a:t>15/10/2014</a:t>
+              <a:t>16/10/2014</a:t>
             </a:fld>
             <a:endParaRPr lang="fr-FR"/>
           </a:p>
@@ -1503,6 +1520,10 @@
           <a:bodyPr/>
           <a:lstStyle/>
           <a:p>
+            <a:r>
+              <a:rPr lang="fr-FR" smtClean="0"/>
+              <a:t>Modèles de Xavier PESSOLES &amp; Jean-Pierre PUPIER</a:t>
+            </a:r>
             <a:endParaRPr lang="fr-FR"/>
           </a:p>
         </p:txBody>
@@ -1750,10 +1771,9 @@
           <a:bodyPr/>
           <a:lstStyle/>
           <a:p>
-            <a:fld id="{9BE6CECE-C4BA-493A-9F45-8F69D8200EC9}" type="datetime1">
+            <a:fld id="{706890A7-770F-464E-A62C-A8AD5C6D3B0F}" type="datetime1">
               <a:rPr lang="fr-FR" smtClean="0"/>
-              <a:pPr/>
-              <a:t>15/10/2014</a:t>
+              <a:t>16/10/2014</a:t>
             </a:fld>
             <a:endParaRPr lang="fr-FR"/>
           </a:p>
@@ -1779,6 +1799,10 @@
           <a:bodyPr/>
           <a:lstStyle/>
           <a:p>
+            <a:r>
+              <a:rPr lang="fr-FR" smtClean="0"/>
+              <a:t>Modèles de Xavier PESSOLES &amp; Jean-Pierre PUPIER</a:t>
+            </a:r>
             <a:endParaRPr lang="fr-FR"/>
           </a:p>
         </p:txBody>
@@ -1972,10 +1996,9 @@
           <a:bodyPr/>
           <a:lstStyle/>
           <a:p>
-            <a:fld id="{6B400324-51BB-4021-B482-6C084AB66459}" type="datetime1">
+            <a:fld id="{6EE4E0CB-B116-4B26-B87E-0DD86022B6DC}" type="datetime1">
               <a:rPr lang="fr-FR" smtClean="0"/>
-              <a:pPr/>
-              <a:t>15/10/2014</a:t>
+              <a:t>16/10/2014</a:t>
             </a:fld>
             <a:endParaRPr lang="fr-FR"/>
           </a:p>
@@ -1996,6 +2019,10 @@
           <a:bodyPr/>
           <a:lstStyle/>
           <a:p>
+            <a:r>
+              <a:rPr lang="fr-FR" smtClean="0"/>
+              <a:t>Modèles de Xavier PESSOLES &amp; Jean-Pierre PUPIER</a:t>
+            </a:r>
             <a:endParaRPr lang="fr-FR"/>
           </a:p>
         </p:txBody>
@@ -2326,10 +2353,9 @@
           <a:bodyPr/>
           <a:lstStyle/>
           <a:p>
-            <a:fld id="{87C4A39B-E1E0-4B19-A965-1E1097FB3AF3}" type="datetime1">
+            <a:fld id="{37863ECB-5001-41E4-8827-92AB221C0E18}" type="datetime1">
               <a:rPr lang="fr-FR" smtClean="0"/>
-              <a:pPr/>
-              <a:t>15/10/2014</a:t>
+              <a:t>16/10/2014</a:t>
             </a:fld>
             <a:endParaRPr lang="fr-FR"/>
           </a:p>
@@ -2350,6 +2376,10 @@
           <a:bodyPr/>
           <a:lstStyle/>
           <a:p>
+            <a:r>
+              <a:rPr lang="fr-FR" smtClean="0"/>
+              <a:t>Modèles de Xavier PESSOLES &amp; Jean-Pierre PUPIER</a:t>
+            </a:r>
             <a:endParaRPr lang="fr-FR"/>
           </a:p>
         </p:txBody>
@@ -2560,10 +2590,9 @@
           <a:bodyPr/>
           <a:lstStyle/>
           <a:p>
-            <a:fld id="{CEF5A761-699F-4B94-BA43-1E8C0C9C554B}" type="datetime1">
+            <a:fld id="{45DF694E-EBBC-4E5C-9620-CAFB9AE7494D}" type="datetime1">
               <a:rPr lang="fr-FR" smtClean="0"/>
-              <a:pPr/>
-              <a:t>15/10/2014</a:t>
+              <a:t>16/10/2014</a:t>
             </a:fld>
             <a:endParaRPr lang="fr-FR"/>
           </a:p>
@@ -2584,6 +2613,10 @@
           <a:bodyPr/>
           <a:lstStyle/>
           <a:p>
+            <a:r>
+              <a:rPr lang="fr-FR" smtClean="0"/>
+              <a:t>Modèles de Xavier PESSOLES &amp; Jean-Pierre PUPIER</a:t>
+            </a:r>
             <a:endParaRPr lang="fr-FR"/>
           </a:p>
         </p:txBody>
@@ -2702,10 +2735,9 @@
           <a:bodyPr/>
           <a:lstStyle/>
           <a:p>
-            <a:fld id="{E407DE65-0759-4C9C-9804-8C4C0AC5F8D7}" type="datetime1">
+            <a:fld id="{1BB77C28-2B37-4CAA-827C-25F24B4371B5}" type="datetime1">
               <a:rPr lang="fr-FR" smtClean="0"/>
-              <a:pPr/>
-              <a:t>15/10/2014</a:t>
+              <a:t>16/10/2014</a:t>
             </a:fld>
             <a:endParaRPr lang="fr-FR"/>
           </a:p>
@@ -2726,6 +2758,10 @@
           <a:bodyPr/>
           <a:lstStyle/>
           <a:p>
+            <a:r>
+              <a:rPr lang="fr-FR" smtClean="0"/>
+              <a:t>Modèles de Xavier PESSOLES &amp; Jean-Pierre PUPIER</a:t>
+            </a:r>
             <a:endParaRPr lang="fr-FR"/>
           </a:p>
         </p:txBody>
@@ -2981,10 +3017,9 @@
           <a:bodyPr/>
           <a:lstStyle/>
           <a:p>
-            <a:fld id="{6DCAF433-E5EB-4B74-B8BB-3F6D9EEAE800}" type="datetime1">
+            <a:fld id="{1C9544C6-7255-4AD0-BF87-CAF07C39F9A7}" type="datetime1">
               <a:rPr lang="fr-FR" smtClean="0"/>
-              <a:pPr/>
-              <a:t>15/10/2014</a:t>
+              <a:t>16/10/2014</a:t>
             </a:fld>
             <a:endParaRPr lang="fr-FR"/>
           </a:p>
@@ -3005,6 +3040,10 @@
           <a:bodyPr/>
           <a:lstStyle/>
           <a:p>
+            <a:r>
+              <a:rPr lang="fr-FR" smtClean="0"/>
+              <a:t>Modèles de Xavier PESSOLES &amp; Jean-Pierre PUPIER</a:t>
+            </a:r>
             <a:endParaRPr lang="fr-FR"/>
           </a:p>
         </p:txBody>
@@ -3390,10 +3429,9 @@
           <a:bodyPr/>
           <a:lstStyle/>
           <a:p>
-            <a:fld id="{E5AEAC06-18E9-471A-B77A-CDA5C363BF1F}" type="datetime1">
+            <a:fld id="{FAF1A418-5A23-4BF4-B6A2-3306A29A537E}" type="datetime1">
               <a:rPr lang="fr-FR" smtClean="0"/>
-              <a:pPr/>
-              <a:t>15/10/2014</a:t>
+              <a:t>16/10/2014</a:t>
             </a:fld>
             <a:endParaRPr lang="fr-FR"/>
           </a:p>
@@ -3414,6 +3452,10 @@
           <a:bodyPr/>
           <a:lstStyle/>
           <a:p>
+            <a:r>
+              <a:rPr lang="fr-FR" smtClean="0"/>
+              <a:t>Modèles de Xavier PESSOLES &amp; Jean-Pierre PUPIER</a:t>
+            </a:r>
             <a:endParaRPr lang="fr-FR"/>
           </a:p>
         </p:txBody>
@@ -3711,7 +3753,7 @@
         </p:nvSpPr>
         <p:spPr>
           <a:xfrm>
-            <a:off x="6400800" y="6356350"/>
+            <a:off x="6891464" y="6356350"/>
             <a:ext cx="2289048" cy="365760"/>
           </a:xfrm>
           <a:prstGeom prst="rect">
@@ -3730,10 +3772,9 @@
             </a:lvl1pPr>
           </a:lstStyle>
           <a:p>
-            <a:fld id="{B9178431-C703-4FD6-9F6F-E8F5512852E2}" type="datetime1">
+            <a:fld id="{874E3EA3-32E7-4C6A-ADE4-3C6C92243900}" type="datetime1">
               <a:rPr lang="fr-FR" smtClean="0"/>
-              <a:pPr/>
-              <a:t>15/10/2014</a:t>
+              <a:t>16/10/2014</a:t>
             </a:fld>
             <a:endParaRPr lang="fr-FR"/>
           </a:p>
@@ -3751,8 +3792,8 @@
         </p:nvSpPr>
         <p:spPr>
           <a:xfrm>
-            <a:off x="2898648" y="6356350"/>
-            <a:ext cx="3505200" cy="365760"/>
+            <a:off x="457200" y="6356350"/>
+            <a:ext cx="8686800" cy="365760"/>
           </a:xfrm>
           <a:prstGeom prst="rect">
             <a:avLst/>
@@ -3761,8 +3802,8 @@
         <p:txBody>
           <a:bodyPr vert="horz"/>
           <a:lstStyle>
-            <a:lvl1pPr algn="r" eaLnBrk="1" latinLnBrk="0" hangingPunct="1">
-              <a:defRPr kumimoji="0" sz="1400">
+            <a:lvl1pPr algn="ctr" eaLnBrk="1" latinLnBrk="0" hangingPunct="1">
+              <a:defRPr kumimoji="0" sz="1200">
                 <a:solidFill>
                   <a:schemeClr val="tx2"/>
                 </a:solidFill>
@@ -3770,7 +3811,11 @@
             </a:lvl1pPr>
           </a:lstStyle>
           <a:p>
-            <a:endParaRPr lang="fr-FR"/>
+            <a:r>
+              <a:rPr lang="fr-FR" smtClean="0"/>
+              <a:t>Modèles de Xavier PESSOLES &amp; Jean-Pierre PUPIER</a:t>
+            </a:r>
+            <a:endParaRPr lang="fr-FR" dirty="0"/>
           </a:p>
         </p:txBody>
       </p:sp>
@@ -3952,7 +3997,7 @@
     <p:sldLayoutId id="2147483694" r:id="rId10"/>
     <p:sldLayoutId id="2147483695" r:id="rId11"/>
   </p:sldLayoutIdLst>
-  <p:hf hdr="0" ftr="0" dt="0"/>
+  <p:hf hdr="0" dt="0"/>
   <p:txStyles>
     <p:titleStyle>
       <a:lvl1pPr algn="l" rtl="0" eaLnBrk="1" latinLnBrk="0" hangingPunct="1">
@@ -4315,11 +4360,7 @@
           <a:p>
             <a:r>
               <a:rPr lang="fr-FR" dirty="0" smtClean="0"/>
-              <a:t>Compresseu</a:t>
-            </a:r>
-            <a:r>
-              <a:rPr lang="fr-FR" dirty="0" smtClean="0"/>
-              <a:t>r de climatiseur</a:t>
+              <a:t>Compresseur de climatiseur</a:t>
             </a:r>
             <a:endParaRPr lang="fr-FR" dirty="0"/>
           </a:p>
@@ -4531,6 +4572,29 @@
           </a:sp3d>
         </p:spPr>
       </p:pic>
+      <p:sp>
+        <p:nvSpPr>
+          <p:cNvPr id="4" name="Espace réservé du pied de page 3"/>
+          <p:cNvSpPr>
+            <a:spLocks noGrp="1"/>
+          </p:cNvSpPr>
+          <p:nvPr>
+            <p:ph type="ftr" sz="quarter" idx="11"/>
+          </p:nvPr>
+        </p:nvSpPr>
+        <p:spPr/>
+        <p:txBody>
+          <a:bodyPr/>
+          <a:lstStyle/>
+          <a:p>
+            <a:r>
+              <a:rPr lang="fr-FR" smtClean="0"/>
+              <a:t>Modèles de Xavier PESSOLES &amp; Jean-Pierre PUPIER</a:t>
+            </a:r>
+            <a:endParaRPr lang="fr-FR" dirty="0"/>
+          </a:p>
+        </p:txBody>
+      </p:sp>
     </p:spTree>
   </p:cSld>
   <p:clrMapOvr>
@@ -4611,13 +4675,8 @@
           <a:p>
             <a:r>
               <a:rPr lang="fr-FR" dirty="0" smtClean="0"/>
-              <a:t>Identification des composants – Liaison </a:t>
-            </a:r>
-            <a:r>
-              <a:rPr lang="fr-FR" dirty="0" smtClean="0"/>
-              <a:t>23 – 15 – 16</a:t>
-            </a:r>
-            <a:endParaRPr lang="fr-FR" dirty="0" smtClean="0"/>
+              <a:t>Identification des composants – Liaison 23 – 15 – 16</a:t>
+            </a:r>
           </a:p>
           <a:p>
             <a:endParaRPr lang="fr-FR" dirty="0" smtClean="0"/>
@@ -5329,6 +5388,29 @@
           </a:p>
         </p:txBody>
       </p:sp>
+      <p:sp>
+        <p:nvSpPr>
+          <p:cNvPr id="2" name="Espace réservé du pied de page 1"/>
+          <p:cNvSpPr>
+            <a:spLocks noGrp="1"/>
+          </p:cNvSpPr>
+          <p:nvPr>
+            <p:ph type="ftr" sz="quarter" idx="11"/>
+          </p:nvPr>
+        </p:nvSpPr>
+        <p:spPr/>
+        <p:txBody>
+          <a:bodyPr/>
+          <a:lstStyle/>
+          <a:p>
+            <a:r>
+              <a:rPr lang="fr-FR" smtClean="0"/>
+              <a:t>Modèles de Xavier PESSOLES &amp; Jean-Pierre PUPIER</a:t>
+            </a:r>
+            <a:endParaRPr lang="fr-FR"/>
+          </a:p>
+        </p:txBody>
+      </p:sp>
     </p:spTree>
   </p:cSld>
   <p:clrMapOvr>
@@ -5409,13 +5491,8 @@
           <a:p>
             <a:r>
               <a:rPr lang="fr-FR" dirty="0" smtClean="0"/>
-              <a:t>Identification des composants – </a:t>
-            </a:r>
-            <a:r>
-              <a:rPr lang="fr-FR" dirty="0" smtClean="0"/>
-              <a:t>Liaison 3 – 5 – 6 </a:t>
-            </a:r>
-            <a:endParaRPr lang="fr-FR" dirty="0" smtClean="0"/>
+              <a:t>Identification des composants – Liaison 3 – 5 – 6 </a:t>
+            </a:r>
           </a:p>
           <a:p>
             <a:endParaRPr lang="fr-FR" dirty="0" smtClean="0"/>
@@ -6127,6 +6204,29 @@
           </a:p>
         </p:txBody>
       </p:sp>
+      <p:sp>
+        <p:nvSpPr>
+          <p:cNvPr id="2" name="Espace réservé du pied de page 1"/>
+          <p:cNvSpPr>
+            <a:spLocks noGrp="1"/>
+          </p:cNvSpPr>
+          <p:nvPr>
+            <p:ph type="ftr" sz="quarter" idx="11"/>
+          </p:nvPr>
+        </p:nvSpPr>
+        <p:spPr/>
+        <p:txBody>
+          <a:bodyPr/>
+          <a:lstStyle/>
+          <a:p>
+            <a:r>
+              <a:rPr lang="fr-FR" smtClean="0"/>
+              <a:t>Modèles de Xavier PESSOLES &amp; Jean-Pierre PUPIER</a:t>
+            </a:r>
+            <a:endParaRPr lang="fr-FR"/>
+          </a:p>
+        </p:txBody>
+      </p:sp>
     </p:spTree>
   </p:cSld>
   <p:clrMapOvr>
@@ -6207,13 +6307,8 @@
           <a:p>
             <a:r>
               <a:rPr lang="fr-FR" dirty="0" smtClean="0"/>
-              <a:t>Identification </a:t>
-            </a:r>
-            <a:r>
-              <a:rPr lang="fr-FR" dirty="0" smtClean="0"/>
-              <a:t>de l’embrayage électromagnétique</a:t>
-            </a:r>
-            <a:endParaRPr lang="fr-FR" dirty="0" smtClean="0"/>
+              <a:t>Identification de l’embrayage électromagnétique</a:t>
+            </a:r>
           </a:p>
           <a:p>
             <a:endParaRPr lang="fr-FR" dirty="0" smtClean="0"/>
@@ -6624,15 +6719,7 @@
                   <a:srgbClr val="FF0000"/>
                 </a:solidFill>
               </a:rPr>
-              <a:t> de la liaison. Respecter les couleurs des </a:t>
-            </a:r>
-            <a:r>
-              <a:rPr lang="fr-FR" sz="2400" dirty="0" smtClean="0">
-                <a:solidFill>
-                  <a:srgbClr val="FF0000"/>
-                </a:solidFill>
-              </a:rPr>
-              <a:t>pièces. (Voir représentation sur le GDI)</a:t>
+              <a:t> de la liaison. Respecter les couleurs des pièces. (Voir représentation sur le GDI)</a:t>
             </a:r>
             <a:endParaRPr kumimoji="0" lang="fr-FR" sz="2400" b="0" i="0" u="none" strike="noStrike" kern="1200" cap="none" spc="0" normalizeH="0" baseline="0" noProof="0" dirty="0" smtClean="0">
               <a:ln>
@@ -6933,6 +7020,29 @@
           </a:p>
         </p:txBody>
       </p:sp>
+      <p:sp>
+        <p:nvSpPr>
+          <p:cNvPr id="2" name="Espace réservé du pied de page 1"/>
+          <p:cNvSpPr>
+            <a:spLocks noGrp="1"/>
+          </p:cNvSpPr>
+          <p:nvPr>
+            <p:ph type="ftr" sz="quarter" idx="11"/>
+          </p:nvPr>
+        </p:nvSpPr>
+        <p:spPr/>
+        <p:txBody>
+          <a:bodyPr/>
+          <a:lstStyle/>
+          <a:p>
+            <a:r>
+              <a:rPr lang="fr-FR" smtClean="0"/>
+              <a:t>Modèles de Xavier PESSOLES &amp; Jean-Pierre PUPIER</a:t>
+            </a:r>
+            <a:endParaRPr lang="fr-FR"/>
+          </a:p>
+        </p:txBody>
+      </p:sp>
     </p:spTree>
   </p:cSld>
   <p:clrMapOvr>
@@ -7013,13 +7123,8 @@
           <a:p>
             <a:r>
               <a:rPr lang="fr-FR" dirty="0" smtClean="0"/>
-              <a:t>Identification </a:t>
-            </a:r>
-            <a:r>
-              <a:rPr lang="fr-FR" dirty="0" smtClean="0"/>
-              <a:t>de la liaison 2 – 3 </a:t>
-            </a:r>
-            <a:endParaRPr lang="fr-FR" dirty="0" smtClean="0"/>
+              <a:t>Identification de la liaison 2 – 3 </a:t>
+            </a:r>
           </a:p>
           <a:p>
             <a:endParaRPr lang="fr-FR" dirty="0" smtClean="0"/>
@@ -7430,15 +7535,7 @@
                   <a:srgbClr val="FF0000"/>
                 </a:solidFill>
               </a:rPr>
-              <a:t> de la liaison. Respecter les couleurs des </a:t>
-            </a:r>
-            <a:r>
-              <a:rPr lang="fr-FR" sz="2400" dirty="0" smtClean="0">
-                <a:solidFill>
-                  <a:srgbClr val="FF0000"/>
-                </a:solidFill>
-              </a:rPr>
-              <a:t>pièces. </a:t>
+              <a:t> de la liaison. Respecter les couleurs des pièces. </a:t>
             </a:r>
             <a:endParaRPr kumimoji="0" lang="fr-FR" sz="2400" b="0" i="0" u="none" strike="noStrike" kern="1200" cap="none" spc="0" normalizeH="0" baseline="0" noProof="0" dirty="0" smtClean="0">
               <a:ln>
@@ -7739,6 +7836,29 @@
           </a:p>
         </p:txBody>
       </p:sp>
+      <p:sp>
+        <p:nvSpPr>
+          <p:cNvPr id="2" name="Espace réservé du pied de page 1"/>
+          <p:cNvSpPr>
+            <a:spLocks noGrp="1"/>
+          </p:cNvSpPr>
+          <p:nvPr>
+            <p:ph type="ftr" sz="quarter" idx="11"/>
+          </p:nvPr>
+        </p:nvSpPr>
+        <p:spPr/>
+        <p:txBody>
+          <a:bodyPr/>
+          <a:lstStyle/>
+          <a:p>
+            <a:r>
+              <a:rPr lang="fr-FR" smtClean="0"/>
+              <a:t>Modèles de Xavier PESSOLES &amp; Jean-Pierre PUPIER</a:t>
+            </a:r>
+            <a:endParaRPr lang="fr-FR"/>
+          </a:p>
+        </p:txBody>
+      </p:sp>
     </p:spTree>
   </p:cSld>
   <p:clrMapOvr>
@@ -8068,6 +8188,29 @@
           </a:p>
         </p:txBody>
       </p:sp>
+      <p:sp>
+        <p:nvSpPr>
+          <p:cNvPr id="2" name="Espace réservé du pied de page 1"/>
+          <p:cNvSpPr>
+            <a:spLocks noGrp="1"/>
+          </p:cNvSpPr>
+          <p:nvPr>
+            <p:ph type="ftr" sz="quarter" idx="11"/>
+          </p:nvPr>
+        </p:nvSpPr>
+        <p:spPr/>
+        <p:txBody>
+          <a:bodyPr/>
+          <a:lstStyle/>
+          <a:p>
+            <a:r>
+              <a:rPr lang="fr-FR" smtClean="0"/>
+              <a:t>Modèles de Xavier PESSOLES &amp; Jean-Pierre PUPIER</a:t>
+            </a:r>
+            <a:endParaRPr lang="fr-FR"/>
+          </a:p>
+        </p:txBody>
+      </p:sp>
     </p:spTree>
   </p:cSld>
   <p:clrMapOvr>
@@ -8300,24 +8443,7 @@
                 <a:ea typeface="+mn-ea"/>
                 <a:cs typeface="+mn-cs"/>
               </a:rPr>
-              <a:t> CINEMATIQUE </a:t>
-            </a:r>
-            <a:r>
-              <a:rPr kumimoji="0" lang="fr-FR" sz="2400" b="0" i="0" u="none" strike="noStrike" kern="1200" cap="none" spc="0" normalizeH="0" noProof="0" dirty="0" smtClean="0">
-                <a:ln>
-                  <a:noFill/>
-                </a:ln>
-                <a:solidFill>
-                  <a:srgbClr val="FF0000"/>
-                </a:solidFill>
-                <a:effectLst/>
-                <a:uLnTx/>
-                <a:uFillTx/>
-                <a:latin typeface="+mn-lt"/>
-                <a:ea typeface="+mn-ea"/>
-                <a:cs typeface="+mn-cs"/>
-              </a:rPr>
-              <a:t>SEUL 2D</a:t>
+              <a:t> CINEMATIQUE SEUL 2D</a:t>
             </a:r>
             <a:endParaRPr kumimoji="0" lang="fr-FR" sz="2400" b="0" i="0" u="none" strike="noStrike" kern="1200" cap="none" spc="0" normalizeH="0" baseline="0" noProof="0" dirty="0" smtClean="0">
               <a:ln>
@@ -8414,6 +8540,29 @@
           </a:p>
         </p:txBody>
       </p:sp>
+      <p:sp>
+        <p:nvSpPr>
+          <p:cNvPr id="2" name="Espace réservé du pied de page 1"/>
+          <p:cNvSpPr>
+            <a:spLocks noGrp="1"/>
+          </p:cNvSpPr>
+          <p:nvPr>
+            <p:ph type="ftr" sz="quarter" idx="11"/>
+          </p:nvPr>
+        </p:nvSpPr>
+        <p:spPr/>
+        <p:txBody>
+          <a:bodyPr/>
+          <a:lstStyle/>
+          <a:p>
+            <a:r>
+              <a:rPr lang="fr-FR" smtClean="0"/>
+              <a:t>Modèles de Xavier PESSOLES &amp; Jean-Pierre PUPIER</a:t>
+            </a:r>
+            <a:endParaRPr lang="fr-FR"/>
+          </a:p>
+        </p:txBody>
+      </p:sp>
     </p:spTree>
   </p:cSld>
   <p:clrMapOvr>
@@ -8751,6 +8900,29 @@
           </a:p>
         </p:txBody>
       </p:sp>
+      <p:sp>
+        <p:nvSpPr>
+          <p:cNvPr id="2" name="Espace réservé du pied de page 1"/>
+          <p:cNvSpPr>
+            <a:spLocks noGrp="1"/>
+          </p:cNvSpPr>
+          <p:nvPr>
+            <p:ph type="ftr" sz="quarter" idx="11"/>
+          </p:nvPr>
+        </p:nvSpPr>
+        <p:spPr/>
+        <p:txBody>
+          <a:bodyPr/>
+          <a:lstStyle/>
+          <a:p>
+            <a:r>
+              <a:rPr lang="fr-FR" smtClean="0"/>
+              <a:t>Modèles de Xavier PESSOLES &amp; Jean-Pierre PUPIER</a:t>
+            </a:r>
+            <a:endParaRPr lang="fr-FR"/>
+          </a:p>
+        </p:txBody>
+      </p:sp>
     </p:spTree>
   </p:cSld>
   <p:clrMapOvr>
@@ -8849,6 +9021,29 @@
           </a:p>
         </p:txBody>
       </p:sp>
+      <p:sp>
+        <p:nvSpPr>
+          <p:cNvPr id="2" name="Espace réservé du pied de page 1"/>
+          <p:cNvSpPr>
+            <a:spLocks noGrp="1"/>
+          </p:cNvSpPr>
+          <p:nvPr>
+            <p:ph type="ftr" sz="quarter" idx="11"/>
+          </p:nvPr>
+        </p:nvSpPr>
+        <p:spPr/>
+        <p:txBody>
+          <a:bodyPr/>
+          <a:lstStyle/>
+          <a:p>
+            <a:r>
+              <a:rPr lang="fr-FR" smtClean="0"/>
+              <a:t>Modèles de Xavier PESSOLES &amp; Jean-Pierre PUPIER</a:t>
+            </a:r>
+            <a:endParaRPr lang="fr-FR"/>
+          </a:p>
+        </p:txBody>
+      </p:sp>
     </p:spTree>
   </p:cSld>
   <p:clrMapOvr>
@@ -8943,7 +9138,6 @@
               <a:rPr lang="fr-FR" dirty="0" smtClean="0"/>
               <a:t>Comment la compression est-elle obtenue ?</a:t>
             </a:r>
-            <a:endParaRPr lang="fr-FR" dirty="0" smtClean="0"/>
           </a:p>
           <a:p>
             <a:pPr lvl="2"/>
@@ -9119,6 +9313,29 @@
               <a:t>Conclusion</a:t>
             </a:r>
             <a:endParaRPr lang="fr-FR" b="1" dirty="0"/>
+          </a:p>
+        </p:txBody>
+      </p:sp>
+      <p:sp>
+        <p:nvSpPr>
+          <p:cNvPr id="2" name="Espace réservé du pied de page 1"/>
+          <p:cNvSpPr>
+            <a:spLocks noGrp="1"/>
+          </p:cNvSpPr>
+          <p:nvPr>
+            <p:ph type="ftr" sz="quarter" idx="11"/>
+          </p:nvPr>
+        </p:nvSpPr>
+        <p:spPr/>
+        <p:txBody>
+          <a:bodyPr/>
+          <a:lstStyle/>
+          <a:p>
+            <a:r>
+              <a:rPr lang="fr-FR" smtClean="0"/>
+              <a:t>Modèles de Xavier PESSOLES &amp; Jean-Pierre PUPIER</a:t>
+            </a:r>
+            <a:endParaRPr lang="fr-FR"/>
           </a:p>
         </p:txBody>
       </p:sp>
@@ -9333,7 +9550,7 @@
             <a:blip r:embed="rId2" cstate="print">
               <a:extLst>
                 <a:ext uri="{28A0092B-C50C-407E-A947-70E740481C1C}">
-                  <a14:useLocalDpi xmlns:a14="http://schemas.microsoft.com/office/drawing/2010/main" xmlns="" val="0"/>
+                  <a14:useLocalDpi xmlns:a14="http://schemas.microsoft.com/office/drawing/2010/main" val="0"/>
                 </a:ext>
               </a:extLst>
             </a:blip>
@@ -9357,14 +9574,14 @@
             <a:effectLst/>
             <a:extLst>
               <a:ext uri="{909E8E84-426E-40DD-AFC4-6F175D3DCCD1}">
-                <a14:hiddenFill xmlns:a14="http://schemas.microsoft.com/office/drawing/2010/main" xmlns="">
+                <a14:hiddenFill xmlns:a14="http://schemas.microsoft.com/office/drawing/2010/main">
                   <a:solidFill>
                     <a:schemeClr val="accent1"/>
                   </a:solidFill>
                 </a14:hiddenFill>
               </a:ext>
               <a:ext uri="{91240B29-F687-4F45-9708-019B960494DF}">
-                <a14:hiddenLine xmlns:a14="http://schemas.microsoft.com/office/drawing/2010/main" xmlns="" w="9525">
+                <a14:hiddenLine xmlns:a14="http://schemas.microsoft.com/office/drawing/2010/main" w="9525">
                   <a:solidFill>
                     <a:schemeClr val="tx1"/>
                   </a:solidFill>
@@ -9374,7 +9591,7 @@
                 </a14:hiddenLine>
               </a:ext>
               <a:ext uri="{AF507438-7753-43E0-B8FC-AC1667EBCBE1}">
-                <a14:hiddenEffects xmlns:a14="http://schemas.microsoft.com/office/drawing/2010/main" xmlns="">
+                <a14:hiddenEffects xmlns:a14="http://schemas.microsoft.com/office/drawing/2010/main">
                   <a:effectLst>
                     <a:outerShdw dist="35921" dir="2700000" algn="ctr" rotWithShape="0">
                       <a:schemeClr val="bg2"/>
@@ -9397,7 +9614,7 @@
             <a:blip r:embed="rId3" cstate="print">
               <a:extLst>
                 <a:ext uri="{28A0092B-C50C-407E-A947-70E740481C1C}">
-                  <a14:useLocalDpi xmlns:a14="http://schemas.microsoft.com/office/drawing/2010/main" xmlns="" val="0"/>
+                  <a14:useLocalDpi xmlns:a14="http://schemas.microsoft.com/office/drawing/2010/main" val="0"/>
                 </a:ext>
               </a:extLst>
             </a:blip>
@@ -9443,7 +9660,7 @@
             </a:sp3d>
             <a:extLst>
               <a:ext uri="{909E8E84-426E-40DD-AFC4-6F175D3DCCD1}">
-                <a14:hiddenFill xmlns:a14="http://schemas.microsoft.com/office/drawing/2010/main" xmlns="">
+                <a14:hiddenFill xmlns:a14="http://schemas.microsoft.com/office/drawing/2010/main">
                   <a:solidFill>
                     <a:schemeClr val="accent1"/>
                   </a:solidFill>
@@ -9464,7 +9681,7 @@
             <a:blip r:embed="rId4">
               <a:extLst>
                 <a:ext uri="{28A0092B-C50C-407E-A947-70E740481C1C}">
-                  <a14:useLocalDpi xmlns:a14="http://schemas.microsoft.com/office/drawing/2010/main" xmlns="" val="0"/>
+                  <a14:useLocalDpi xmlns:a14="http://schemas.microsoft.com/office/drawing/2010/main" val="0"/>
                 </a:ext>
               </a:extLst>
             </a:blip>
@@ -9486,14 +9703,14 @@
             <a:effectLst/>
             <a:extLst>
               <a:ext uri="{909E8E84-426E-40DD-AFC4-6F175D3DCCD1}">
-                <a14:hiddenFill xmlns:a14="http://schemas.microsoft.com/office/drawing/2010/main" xmlns="">
+                <a14:hiddenFill xmlns:a14="http://schemas.microsoft.com/office/drawing/2010/main">
                   <a:solidFill>
                     <a:schemeClr val="accent1"/>
                   </a:solidFill>
                 </a14:hiddenFill>
               </a:ext>
               <a:ext uri="{91240B29-F687-4F45-9708-019B960494DF}">
-                <a14:hiddenLine xmlns:a14="http://schemas.microsoft.com/office/drawing/2010/main" xmlns="" w="9525">
+                <a14:hiddenLine xmlns:a14="http://schemas.microsoft.com/office/drawing/2010/main" w="9525">
                   <a:solidFill>
                     <a:schemeClr val="tx1"/>
                   </a:solidFill>
@@ -9503,7 +9720,7 @@
                 </a14:hiddenLine>
               </a:ext>
               <a:ext uri="{AF507438-7753-43E0-B8FC-AC1667EBCBE1}">
-                <a14:hiddenEffects xmlns:a14="http://schemas.microsoft.com/office/drawing/2010/main" xmlns="">
+                <a14:hiddenEffects xmlns:a14="http://schemas.microsoft.com/office/drawing/2010/main">
                   <a:effectLst>
                     <a:outerShdw dist="35921" dir="2700000" algn="ctr" rotWithShape="0">
                       <a:schemeClr val="bg2"/>
@@ -9526,7 +9743,7 @@
             <a:blip r:embed="rId5" cstate="print">
               <a:extLst>
                 <a:ext uri="{28A0092B-C50C-407E-A947-70E740481C1C}">
-                  <a14:useLocalDpi xmlns:a14="http://schemas.microsoft.com/office/drawing/2010/main" xmlns="" val="0"/>
+                  <a14:useLocalDpi xmlns:a14="http://schemas.microsoft.com/office/drawing/2010/main" val="0"/>
                 </a:ext>
               </a:extLst>
             </a:blip>
@@ -9550,14 +9767,14 @@
             <a:effectLst/>
             <a:extLst>
               <a:ext uri="{909E8E84-426E-40DD-AFC4-6F175D3DCCD1}">
-                <a14:hiddenFill xmlns:a14="http://schemas.microsoft.com/office/drawing/2010/main" xmlns="">
+                <a14:hiddenFill xmlns:a14="http://schemas.microsoft.com/office/drawing/2010/main">
                   <a:solidFill>
                     <a:schemeClr val="accent1"/>
                   </a:solidFill>
                 </a14:hiddenFill>
               </a:ext>
               <a:ext uri="{91240B29-F687-4F45-9708-019B960494DF}">
-                <a14:hiddenLine xmlns:a14="http://schemas.microsoft.com/office/drawing/2010/main" xmlns="" w="9525">
+                <a14:hiddenLine xmlns:a14="http://schemas.microsoft.com/office/drawing/2010/main" w="9525">
                   <a:solidFill>
                     <a:schemeClr val="tx1"/>
                   </a:solidFill>
@@ -9567,7 +9784,7 @@
                 </a14:hiddenLine>
               </a:ext>
               <a:ext uri="{AF507438-7753-43E0-B8FC-AC1667EBCBE1}">
-                <a14:hiddenEffects xmlns:a14="http://schemas.microsoft.com/office/drawing/2010/main" xmlns="">
+                <a14:hiddenEffects xmlns:a14="http://schemas.microsoft.com/office/drawing/2010/main">
                   <a:effectLst>
                     <a:outerShdw dist="35921" dir="2700000" algn="ctr" rotWithShape="0">
                       <a:schemeClr val="bg2"/>
@@ -10176,6 +10393,29 @@
           </a:p>
         </p:txBody>
       </p:sp>
+      <p:sp>
+        <p:nvSpPr>
+          <p:cNvPr id="4" name="Espace réservé du pied de page 3"/>
+          <p:cNvSpPr>
+            <a:spLocks noGrp="1"/>
+          </p:cNvSpPr>
+          <p:nvPr>
+            <p:ph type="ftr" sz="quarter" idx="11"/>
+          </p:nvPr>
+        </p:nvSpPr>
+        <p:spPr/>
+        <p:txBody>
+          <a:bodyPr/>
+          <a:lstStyle/>
+          <a:p>
+            <a:r>
+              <a:rPr lang="fr-FR" smtClean="0"/>
+              <a:t>Modèles de Xavier PESSOLES &amp; Jean-Pierre PUPIER</a:t>
+            </a:r>
+            <a:endParaRPr lang="fr-FR"/>
+          </a:p>
+        </p:txBody>
+      </p:sp>
     </p:spTree>
   </p:cSld>
   <p:clrMapOvr>
@@ -10274,6 +10514,29 @@
           </a:p>
         </p:txBody>
       </p:sp>
+      <p:sp>
+        <p:nvSpPr>
+          <p:cNvPr id="2" name="Espace réservé du pied de page 1"/>
+          <p:cNvSpPr>
+            <a:spLocks noGrp="1"/>
+          </p:cNvSpPr>
+          <p:nvPr>
+            <p:ph type="ftr" sz="quarter" idx="11"/>
+          </p:nvPr>
+        </p:nvSpPr>
+        <p:spPr/>
+        <p:txBody>
+          <a:bodyPr/>
+          <a:lstStyle/>
+          <a:p>
+            <a:r>
+              <a:rPr lang="fr-FR" smtClean="0"/>
+              <a:t>Modèles de Xavier PESSOLES &amp; Jean-Pierre PUPIER</a:t>
+            </a:r>
+            <a:endParaRPr lang="fr-FR"/>
+          </a:p>
+        </p:txBody>
+      </p:sp>
     </p:spTree>
   </p:cSld>
   <p:clrMapOvr>
@@ -10692,6 +10955,29 @@
           </a:p>
         </p:txBody>
       </p:sp>
+      <p:sp>
+        <p:nvSpPr>
+          <p:cNvPr id="4" name="Espace réservé du pied de page 3"/>
+          <p:cNvSpPr>
+            <a:spLocks noGrp="1"/>
+          </p:cNvSpPr>
+          <p:nvPr>
+            <p:ph type="ftr" sz="quarter" idx="11"/>
+          </p:nvPr>
+        </p:nvSpPr>
+        <p:spPr/>
+        <p:txBody>
+          <a:bodyPr/>
+          <a:lstStyle/>
+          <a:p>
+            <a:r>
+              <a:rPr lang="fr-FR" smtClean="0"/>
+              <a:t>Modèles de Xavier PESSOLES &amp; Jean-Pierre PUPIER</a:t>
+            </a:r>
+            <a:endParaRPr lang="fr-FR"/>
+          </a:p>
+        </p:txBody>
+      </p:sp>
     </p:spTree>
   </p:cSld>
   <p:clrMapOvr>
@@ -11031,6 +11317,29 @@
           </a:p>
         </p:txBody>
       </p:sp>
+      <p:sp>
+        <p:nvSpPr>
+          <p:cNvPr id="2" name="Espace réservé du pied de page 1"/>
+          <p:cNvSpPr>
+            <a:spLocks noGrp="1"/>
+          </p:cNvSpPr>
+          <p:nvPr>
+            <p:ph type="ftr" sz="quarter" idx="11"/>
+          </p:nvPr>
+        </p:nvSpPr>
+        <p:spPr/>
+        <p:txBody>
+          <a:bodyPr/>
+          <a:lstStyle/>
+          <a:p>
+            <a:r>
+              <a:rPr lang="fr-FR" smtClean="0"/>
+              <a:t>Modèles de Xavier PESSOLES &amp; Jean-Pierre PUPIER</a:t>
+            </a:r>
+            <a:endParaRPr lang="fr-FR"/>
+          </a:p>
+        </p:txBody>
+      </p:sp>
     </p:spTree>
   </p:cSld>
   <p:clrMapOvr>
@@ -11290,21 +11599,8 @@
                   <a:srgbClr val="FF0000"/>
                 </a:solidFill>
               </a:rPr>
-              <a:t>  Expliquer le fonctionnement du </a:t>
-            </a:r>
-            <a:r>
-              <a:rPr lang="fr-FR" b="1" dirty="0" smtClean="0">
-                <a:solidFill>
-                  <a:srgbClr val="FF0000"/>
-                </a:solidFill>
-              </a:rPr>
-              <a:t>winch</a:t>
-            </a:r>
-            <a:endParaRPr lang="fr-FR" b="1" dirty="0" smtClean="0">
-              <a:solidFill>
-                <a:srgbClr val="FF0000"/>
-              </a:solidFill>
-            </a:endParaRPr>
+              <a:t>  Expliquer le fonctionnement du winch</a:t>
+            </a:r>
           </a:p>
           <a:p>
             <a:pPr>
@@ -11331,23 +11627,7 @@
                   <a:srgbClr val="FF0000"/>
                 </a:solidFill>
               </a:rPr>
-              <a:t>  Indiquer les constituants du </a:t>
-            </a:r>
-            <a:r>
-              <a:rPr lang="fr-FR" b="1" dirty="0" smtClean="0">
-                <a:solidFill>
-                  <a:srgbClr val="FF0000"/>
-                </a:solidFill>
-              </a:rPr>
-              <a:t>compresseur (Chaîne </a:t>
-            </a:r>
-            <a:r>
-              <a:rPr lang="fr-FR" b="1" dirty="0" smtClean="0">
-                <a:solidFill>
-                  <a:srgbClr val="FF0000"/>
-                </a:solidFill>
-              </a:rPr>
-              <a:t>fonctionnelle, IBD, autre)</a:t>
+              <a:t>  Indiquer les constituants du compresseur (Chaîne fonctionnelle, IBD, autre)</a:t>
             </a:r>
           </a:p>
           <a:p>
@@ -11403,6 +11683,29 @@
               <a:t>Conclusion</a:t>
             </a:r>
             <a:endParaRPr lang="fr-FR" dirty="0"/>
+          </a:p>
+        </p:txBody>
+      </p:sp>
+      <p:sp>
+        <p:nvSpPr>
+          <p:cNvPr id="2" name="Espace réservé du pied de page 1"/>
+          <p:cNvSpPr>
+            <a:spLocks noGrp="1"/>
+          </p:cNvSpPr>
+          <p:nvPr>
+            <p:ph type="ftr" sz="quarter" idx="11"/>
+          </p:nvPr>
+        </p:nvSpPr>
+        <p:spPr/>
+        <p:txBody>
+          <a:bodyPr/>
+          <a:lstStyle/>
+          <a:p>
+            <a:r>
+              <a:rPr lang="fr-FR" smtClean="0"/>
+              <a:t>Modèles de Xavier PESSOLES &amp; Jean-Pierre PUPIER</a:t>
+            </a:r>
+            <a:endParaRPr lang="fr-FR"/>
           </a:p>
         </p:txBody>
       </p:sp>
@@ -11713,6 +12016,29 @@
           </a:p>
         </p:txBody>
       </p:sp>
+      <p:sp>
+        <p:nvSpPr>
+          <p:cNvPr id="2" name="Espace réservé du pied de page 1"/>
+          <p:cNvSpPr>
+            <a:spLocks noGrp="1"/>
+          </p:cNvSpPr>
+          <p:nvPr>
+            <p:ph type="ftr" sz="quarter" idx="11"/>
+          </p:nvPr>
+        </p:nvSpPr>
+        <p:spPr/>
+        <p:txBody>
+          <a:bodyPr/>
+          <a:lstStyle/>
+          <a:p>
+            <a:r>
+              <a:rPr lang="fr-FR" smtClean="0"/>
+              <a:t>Modèles de Xavier PESSOLES &amp; Jean-Pierre PUPIER</a:t>
+            </a:r>
+            <a:endParaRPr lang="fr-FR"/>
+          </a:p>
+        </p:txBody>
+      </p:sp>
     </p:spTree>
   </p:cSld>
   <p:clrMapOvr>
@@ -11811,6 +12137,29 @@
           </a:p>
         </p:txBody>
       </p:sp>
+      <p:sp>
+        <p:nvSpPr>
+          <p:cNvPr id="2" name="Espace réservé du pied de page 1"/>
+          <p:cNvSpPr>
+            <a:spLocks noGrp="1"/>
+          </p:cNvSpPr>
+          <p:nvPr>
+            <p:ph type="ftr" sz="quarter" idx="11"/>
+          </p:nvPr>
+        </p:nvSpPr>
+        <p:spPr/>
+        <p:txBody>
+          <a:bodyPr/>
+          <a:lstStyle/>
+          <a:p>
+            <a:r>
+              <a:rPr lang="fr-FR" smtClean="0"/>
+              <a:t>Modèles de Xavier PESSOLES &amp; Jean-Pierre PUPIER</a:t>
+            </a:r>
+            <a:endParaRPr lang="fr-FR"/>
+          </a:p>
+        </p:txBody>
+      </p:sp>
     </p:spTree>
   </p:cSld>
   <p:clrMapOvr>
@@ -12091,6 +12440,29 @@
           </a:p>
         </p:txBody>
       </p:sp>
+      <p:sp>
+        <p:nvSpPr>
+          <p:cNvPr id="2" name="Espace réservé du pied de page 1"/>
+          <p:cNvSpPr>
+            <a:spLocks noGrp="1"/>
+          </p:cNvSpPr>
+          <p:nvPr>
+            <p:ph type="ftr" sz="quarter" idx="11"/>
+          </p:nvPr>
+        </p:nvSpPr>
+        <p:spPr/>
+        <p:txBody>
+          <a:bodyPr/>
+          <a:lstStyle/>
+          <a:p>
+            <a:r>
+              <a:rPr lang="fr-FR" smtClean="0"/>
+              <a:t>Modèles de Xavier PESSOLES &amp; Jean-Pierre PUPIER</a:t>
+            </a:r>
+            <a:endParaRPr lang="fr-FR"/>
+          </a:p>
+        </p:txBody>
+      </p:sp>
     </p:spTree>
   </p:cSld>
   <p:clrMapOvr>
@@ -12171,11 +12543,7 @@
           <a:p>
             <a:r>
               <a:rPr lang="fr-FR" dirty="0" smtClean="0"/>
-              <a:t>Identification des composants – Liaison </a:t>
-            </a:r>
-            <a:r>
-              <a:rPr lang="fr-FR" dirty="0" smtClean="0"/>
-              <a:t>bielle 14 – plateau 3 </a:t>
+              <a:t>Identification des composants – Liaison bielle 14 – plateau 3 </a:t>
             </a:r>
             <a:r>
               <a:rPr lang="fr-FR" b="1" dirty="0" smtClean="0">
@@ -12499,21 +12867,8 @@
                   <a:srgbClr val="FF0000"/>
                 </a:solidFill>
               </a:rPr>
-              <a:t> des zones de contact : </a:t>
-            </a:r>
-            <a:r>
-              <a:rPr lang="fr-FR" sz="2400" dirty="0" smtClean="0">
-                <a:solidFill>
-                  <a:srgbClr val="FF0000"/>
-                </a:solidFill>
-              </a:rPr>
-              <a:t>Sphère – sphère </a:t>
-            </a:r>
-            <a:endParaRPr lang="fr-FR" sz="2400" dirty="0" smtClean="0">
-              <a:solidFill>
-                <a:srgbClr val="FF0000"/>
-              </a:solidFill>
-            </a:endParaRPr>
+              <a:t> des zones de contact : Sphère – sphère </a:t>
+            </a:r>
           </a:p>
           <a:p>
             <a:pPr marL="1188720" lvl="2" indent="-274320">
@@ -12943,6 +13298,29 @@
           <a:effectLst/>
         </p:spPr>
       </p:pic>
+      <p:sp>
+        <p:nvSpPr>
+          <p:cNvPr id="2" name="Espace réservé du pied de page 1"/>
+          <p:cNvSpPr>
+            <a:spLocks noGrp="1"/>
+          </p:cNvSpPr>
+          <p:nvPr>
+            <p:ph type="ftr" sz="quarter" idx="11"/>
+          </p:nvPr>
+        </p:nvSpPr>
+        <p:spPr/>
+        <p:txBody>
+          <a:bodyPr/>
+          <a:lstStyle/>
+          <a:p>
+            <a:r>
+              <a:rPr lang="fr-FR" smtClean="0"/>
+              <a:t>Modèles de Xavier PESSOLES &amp; Jean-Pierre PUPIER</a:t>
+            </a:r>
+            <a:endParaRPr lang="fr-FR"/>
+          </a:p>
+        </p:txBody>
+      </p:sp>
     </p:spTree>
   </p:cSld>
   <p:clrMapOvr>
